--- a/SpringCloudNetflix.pptx
+++ b/SpringCloudNetflix.pptx
@@ -5,15 +5,16 @@
     <p:sldMasterId id="2147483648" r:id="rId2"/>
   </p:sldMasterIdLst>
   <p:notesMasterIdLst>
-    <p:notesMasterId r:id="rId6"/>
+    <p:notesMasterId r:id="rId7"/>
   </p:notesMasterIdLst>
   <p:handoutMasterIdLst>
-    <p:handoutMasterId r:id="rId7"/>
+    <p:handoutMasterId r:id="rId8"/>
   </p:handoutMasterIdLst>
   <p:sldIdLst>
     <p:sldId id="256" r:id="rId3"/>
     <p:sldId id="257" r:id="rId4"/>
     <p:sldId id="258" r:id="rId5"/>
+    <p:sldId id="259" r:id="rId6"/>
   </p:sldIdLst>
   <p:sldSz cx="12188825" cy="6858000"/>
   <p:notesSz cx="6858000" cy="9144000"/>
@@ -227,7 +228,7 @@
           <a:p>
             <a:fld id="{705E03B7-B591-4A2A-B695-014C5A39F13E}" type="datetimeFigureOut">
               <a:rPr lang="en-US"/>
-              <a:t>4/27/2017</a:t>
+              <a:t>4/28/2017</a:t>
             </a:fld>
             <a:endParaRPr/>
           </a:p>
@@ -392,7 +393,7 @@
           <a:p>
             <a:fld id="{67DFBD7B-E4FB-4AA8-9540-FD148073ACB3}" type="datetimeFigureOut">
               <a:rPr lang="en-US"/>
-              <a:t>4/27/2017</a:t>
+              <a:t>4/28/2017</a:t>
             </a:fld>
             <a:endParaRPr/>
           </a:p>
@@ -1342,7 +1343,7 @@
           <a:p>
             <a:fld id="{A7209051-6E81-43E8-9099-FF6A0C3DCFE8}" type="datetime1">
               <a:rPr lang="en-US"/>
-              <a:t>4/27/2017</a:t>
+              <a:t>4/28/2017</a:t>
             </a:fld>
             <a:endParaRPr/>
           </a:p>
@@ -1570,7 +1571,7 @@
           <a:p>
             <a:fld id="{EDCEAB04-7709-4C1E-A61A-74684A0170FC}" type="datetime1">
               <a:rPr lang="en-US"/>
-              <a:t>4/27/2017</a:t>
+              <a:t>4/28/2017</a:t>
             </a:fld>
             <a:endParaRPr/>
           </a:p>
@@ -2117,7 +2118,7 @@
           <a:p>
             <a:fld id="{0C79BD0D-E0B1-4CED-AC65-708AC79EB9CD}" type="datetime1">
               <a:rPr lang="en-US"/>
-              <a:t>4/27/2017</a:t>
+              <a:t>4/28/2017</a:t>
             </a:fld>
             <a:endParaRPr/>
           </a:p>
@@ -2345,7 +2346,7 @@
           <a:p>
             <a:fld id="{0CC3EA6D-DF0B-4D4B-B359-5F1D1D0E30A4}" type="datetime1">
               <a:rPr lang="en-US"/>
-              <a:t>4/27/2017</a:t>
+              <a:t>4/28/2017</a:t>
             </a:fld>
             <a:endParaRPr/>
           </a:p>
@@ -2944,7 +2945,7 @@
           <a:p>
             <a:fld id="{977EDB99-15BC-4479-BAC5-1E502E66917A}" type="datetime1">
               <a:rPr lang="en-US"/>
-              <a:t>4/27/2017</a:t>
+              <a:t>4/28/2017</a:t>
             </a:fld>
             <a:endParaRPr/>
           </a:p>
@@ -3278,7 +3279,7 @@
           <a:p>
             <a:fld id="{4067C2A3-CD19-48AB-9F64-ECCF75182EDD}" type="datetime1">
               <a:rPr lang="en-US"/>
-              <a:t>4/27/2017</a:t>
+              <a:t>4/28/2017</a:t>
             </a:fld>
             <a:endParaRPr/>
           </a:p>
@@ -3728,7 +3729,7 @@
           <a:p>
             <a:fld id="{0363E8C1-7C87-4705-AB97-8CD17D208E3F}" type="datetime1">
               <a:rPr lang="en-US"/>
-              <a:t>4/27/2017</a:t>
+              <a:t>4/28/2017</a:t>
             </a:fld>
             <a:endParaRPr/>
           </a:p>
@@ -3858,7 +3859,7 @@
           <a:p>
             <a:fld id="{E20C624E-DF92-4841-B9B9-DD11AA239B85}" type="datetime1">
               <a:rPr lang="en-US"/>
-              <a:t>4/27/2017</a:t>
+              <a:t>4/28/2017</a:t>
             </a:fld>
             <a:endParaRPr/>
           </a:p>
@@ -4148,7 +4149,7 @@
           <a:p>
             <a:fld id="{FBDA3AE1-4360-4D5B-BDBC-656B872DD533}" type="datetime1">
               <a:rPr lang="en-US"/>
-              <a:t>4/27/2017</a:t>
+              <a:t>4/28/2017</a:t>
             </a:fld>
             <a:endParaRPr/>
           </a:p>
@@ -4472,7 +4473,7 @@
           <a:p>
             <a:fld id="{20990708-46A4-4851-883E-8DFB8939107E}" type="datetime1">
               <a:rPr lang="en-US"/>
-              <a:t>4/27/2017</a:t>
+              <a:t>4/28/2017</a:t>
             </a:fld>
             <a:endParaRPr/>
           </a:p>
@@ -4751,7 +4752,7 @@
           <a:p>
             <a:fld id="{AE88EFFC-86AE-4294-A319-CAFC2651994B}" type="datetime1">
               <a:rPr lang="en-US"/>
-              <a:t>4/27/2017</a:t>
+              <a:t>4/28/2017</a:t>
             </a:fld>
             <a:endParaRPr/>
           </a:p>
@@ -5349,7 +5350,7 @@
             <a:fld id="{D29E8617-6EA8-4B97-A5E8-E18E98765EE2}" type="datetime1">
               <a:rPr lang="en-US"/>
               <a:pPr/>
-              <a:t>4/27/2017</a:t>
+              <a:t>4/28/2017</a:t>
             </a:fld>
             <a:endParaRPr/>
           </a:p>
@@ -5824,7 +5825,7 @@
           <a:p>
             <a:r>
               <a:rPr lang="pl-PL" dirty="0"/>
-              <a:t>Spring Cloud Netflix+</a:t>
+              <a:t>Spring Cloud Netflix</a:t>
             </a:r>
             <a:endParaRPr lang="en-US" dirty="0"/>
           </a:p>
@@ -5847,7 +5848,7 @@
           <a:p>
             <a:r>
               <a:rPr lang="pl-PL" dirty="0"/>
-              <a:t>Eureka, Hystrix, Zuul, Ribbon, Spring Retry</a:t>
+              <a:t>Eureka, Ribbon, Feign</a:t>
             </a:r>
             <a:endParaRPr lang="en-US" dirty="0"/>
           </a:p>
@@ -6091,7 +6092,7 @@
           <a:p>
             <a:r>
               <a:rPr lang="pl-PL" dirty="0"/>
-              <a:t>Eureka</a:t>
+              <a:t>Ribbon</a:t>
             </a:r>
           </a:p>
         </p:txBody>
@@ -6108,15 +6109,110 @@
         </p:nvSpPr>
         <p:spPr/>
         <p:txBody>
-          <a:bodyPr/>
+          <a:bodyPr>
+            <a:normAutofit/>
+          </a:bodyPr>
           <a:lstStyle/>
           <a:p>
             <a:r>
-              <a:rPr lang="pl-PL" dirty="0"/>
-              <a:t>Timeouts</a:t>
-            </a:r>
-          </a:p>
-          <a:p>
+              <a:rPr lang="en-US" sz="2000" dirty="0"/>
+              <a:t>The library includes the Netflix client side </a:t>
+            </a:r>
+            <a:r>
+              <a:rPr lang="en-US" sz="2000" b="1" dirty="0"/>
+              <a:t>load balancers</a:t>
+            </a:r>
+            <a:r>
+              <a:rPr lang="en-US" sz="2000" dirty="0"/>
+              <a:t> and clients for middle tier services.</a:t>
+            </a:r>
+            <a:r>
+              <a:rPr lang="pl-PL" sz="2000" dirty="0"/>
+              <a:t> Resolves services from Eureka.</a:t>
+            </a:r>
+            <a:endParaRPr lang="pl-PL" sz="2000" dirty="0"/>
+          </a:p>
+        </p:txBody>
+      </p:sp>
+      <p:pic>
+        <p:nvPicPr>
+          <p:cNvPr id="4" name="Picture 2" descr="Znalezione obrazy dla zapytania eureka netflix">
+            <a:hlinkClick r:id="rId2"/>
+          </p:cNvPr>
+          <p:cNvPicPr>
+            <a:picLocks noChangeAspect="1" noChangeArrowheads="1"/>
+          </p:cNvPicPr>
+          <p:nvPr/>
+        </p:nvPicPr>
+        <p:blipFill>
+          <a:blip r:embed="rId3">
+            <a:extLst>
+              <a:ext uri="{28A0092B-C50C-407E-A947-70E740481C1C}">
+                <a14:useLocalDpi xmlns:a14="http://schemas.microsoft.com/office/drawing/2010/main" val="0"/>
+              </a:ext>
+            </a:extLst>
+          </a:blip>
+          <a:srcRect/>
+          <a:stretch>
+            <a:fillRect/>
+          </a:stretch>
+        </p:blipFill>
+        <p:spPr bwMode="auto">
+          <a:xfrm>
+            <a:off x="3151188" y="2924944"/>
+            <a:ext cx="5886450" cy="2247900"/>
+          </a:xfrm>
+          <a:prstGeom prst="rect">
+            <a:avLst/>
+          </a:prstGeom>
+          <a:noFill/>
+          <a:extLst>
+            <a:ext uri="{909E8E84-426E-40DD-AFC4-6F175D3DCCD1}">
+              <a14:hiddenFill xmlns:a14="http://schemas.microsoft.com/office/drawing/2010/main">
+                <a:solidFill>
+                  <a:srgbClr val="FFFFFF"/>
+                </a:solidFill>
+              </a14:hiddenFill>
+            </a:ext>
+          </a:extLst>
+        </p:spPr>
+      </p:pic>
+      <p:sp>
+        <p:nvSpPr>
+          <p:cNvPr id="5" name="Ribbon: Tilted Up 4"/>
+          <p:cNvSpPr/>
+          <p:nvPr/>
+        </p:nvSpPr>
+        <p:spPr>
+          <a:xfrm>
+            <a:off x="7606580" y="4581128"/>
+            <a:ext cx="504056" cy="288032"/>
+          </a:xfrm>
+          <a:prstGeom prst="ribbon2">
+            <a:avLst/>
+          </a:prstGeom>
+        </p:spPr>
+        <p:style>
+          <a:lnRef idx="2">
+            <a:schemeClr val="accent4">
+              <a:shade val="50000"/>
+            </a:schemeClr>
+          </a:lnRef>
+          <a:fillRef idx="1">
+            <a:schemeClr val="accent4"/>
+          </a:fillRef>
+          <a:effectRef idx="0">
+            <a:schemeClr val="accent4"/>
+          </a:effectRef>
+          <a:fontRef idx="minor">
+            <a:schemeClr val="lt1"/>
+          </a:fontRef>
+        </p:style>
+        <p:txBody>
+          <a:bodyPr rtlCol="0" anchor="ctr"/>
+          <a:lstStyle/>
+          <a:p>
+            <a:pPr algn="ctr"/>
             <a:endParaRPr lang="pl-PL" dirty="0"/>
           </a:p>
         </p:txBody>
@@ -6125,6 +6221,95 @@
     <p:extLst>
       <p:ext uri="{BB962C8B-B14F-4D97-AF65-F5344CB8AC3E}">
         <p14:creationId xmlns:p14="http://schemas.microsoft.com/office/powerpoint/2010/main" val="2001877945"/>
+      </p:ext>
+    </p:extLst>
+  </p:cSld>
+  <p:clrMapOvr>
+    <a:masterClrMapping/>
+  </p:clrMapOvr>
+  <mc:AlternateContent xmlns:mc="http://schemas.openxmlformats.org/markup-compatibility/2006" xmlns:p14="http://schemas.microsoft.com/office/powerpoint/2010/main">
+    <mc:Choice Requires="p14">
+      <p:transition spd="med" p14:dur="700">
+        <p:fade/>
+      </p:transition>
+    </mc:Choice>
+    <mc:Fallback xmlns="">
+      <p:transition spd="med">
+        <p:fade/>
+      </p:transition>
+    </mc:Fallback>
+  </mc:AlternateContent>
+</p:sld>
+</file>
+
+<file path=ppt/slides/slide4.xml><?xml version="1.0" encoding="utf-8"?>
+<p:sld xmlns:a="http://schemas.openxmlformats.org/drawingml/2006/main" xmlns:r="http://schemas.openxmlformats.org/officeDocument/2006/relationships" xmlns:p="http://schemas.openxmlformats.org/presentationml/2006/main">
+  <p:cSld>
+    <p:spTree>
+      <p:nvGrpSpPr>
+        <p:cNvPr id="1" name=""/>
+        <p:cNvGrpSpPr/>
+        <p:nvPr/>
+      </p:nvGrpSpPr>
+      <p:grpSpPr>
+        <a:xfrm>
+          <a:off x="0" y="0"/>
+          <a:ext cx="0" cy="0"/>
+          <a:chOff x="0" y="0"/>
+          <a:chExt cx="0" cy="0"/>
+        </a:xfrm>
+      </p:grpSpPr>
+      <p:sp>
+        <p:nvSpPr>
+          <p:cNvPr id="2" name="Title 1"/>
+          <p:cNvSpPr>
+            <a:spLocks noGrp="1"/>
+          </p:cNvSpPr>
+          <p:nvPr>
+            <p:ph type="title"/>
+          </p:nvPr>
+        </p:nvSpPr>
+        <p:spPr/>
+        <p:txBody>
+          <a:bodyPr/>
+          <a:lstStyle/>
+          <a:p>
+            <a:r>
+              <a:rPr lang="pl-PL" dirty="0"/>
+              <a:t>Feign</a:t>
+            </a:r>
+          </a:p>
+        </p:txBody>
+      </p:sp>
+      <p:sp>
+        <p:nvSpPr>
+          <p:cNvPr id="3" name="Content Placeholder 2"/>
+          <p:cNvSpPr>
+            <a:spLocks noGrp="1"/>
+          </p:cNvSpPr>
+          <p:nvPr>
+            <p:ph idx="1"/>
+          </p:nvPr>
+        </p:nvSpPr>
+        <p:spPr/>
+        <p:txBody>
+          <a:bodyPr>
+            <a:normAutofit/>
+          </a:bodyPr>
+          <a:lstStyle/>
+          <a:p>
+            <a:r>
+              <a:rPr lang="en-US" sz="2000" dirty="0"/>
+              <a:t>Feign is a declarative web service client. It makes writing web service clients easier. To use Feign create an interface and annotate it.</a:t>
+            </a:r>
+            <a:endParaRPr lang="pl-PL" sz="2000" dirty="0"/>
+          </a:p>
+        </p:txBody>
+      </p:sp>
+    </p:spTree>
+    <p:extLst>
+      <p:ext uri="{BB962C8B-B14F-4D97-AF65-F5344CB8AC3E}">
+        <p14:creationId xmlns:p14="http://schemas.microsoft.com/office/powerpoint/2010/main" val="2178143557"/>
       </p:ext>
     </p:extLst>
   </p:cSld>
